--- a/Python_Preso_April2021.pptx
+++ b/Python_Preso_April2021.pptx
@@ -4900,7 +4900,7 @@
             <p:ph idx="1"/>
             <p:extLst>
               <p:ext uri="{D42A27DB-BD31-4B8C-83A1-F6EECF244321}">
-                <p14:modId xmlns:p14="http://schemas.microsoft.com/office/powerpoint/2010/main" val="403844662"/>
+                <p14:modId xmlns:p14="http://schemas.microsoft.com/office/powerpoint/2010/main" val="575014200"/>
               </p:ext>
             </p:extLst>
           </p:nvPr>
@@ -5169,7 +5169,7 @@
                           <a:ea typeface="+mn-ea"/>
                           <a:cs typeface="+mn-cs"/>
                         </a:rPr>
-                        <a:t>0</a:t>
+                        <a:t>0.0</a:t>
                       </a:r>
                     </a:p>
                   </a:txBody>
@@ -5188,175 +5188,6 @@
                     <a:lstStyle/>
                     <a:p>
                       <a:pPr algn="l" fontAlgn="b"/>
-                      <a:r>
-                        <a:rPr lang="en-GB" sz="2800" kern="1200" dirty="0">
-                          <a:solidFill>
-                            <a:schemeClr val="tx1"/>
-                          </a:solidFill>
-                          <a:latin typeface="+mn-lt"/>
-                          <a:ea typeface="+mn-ea"/>
-                          <a:cs typeface="+mn-cs"/>
-                        </a:rPr>
-                        <a:t>empty string</a:t>
-                      </a:r>
-                    </a:p>
-                  </a:txBody>
-                  <a:tcPr marL="9525" marR="9525" marT="9525" marB="0" anchor="b"/>
-                </a:tc>
-                <a:tc>
-                  <a:txBody>
-                    <a:bodyPr/>
-                    <a:lstStyle/>
-                    <a:p>
-                      <a:pPr algn="ctr" fontAlgn="b"/>
-                      <a:r>
-                        <a:rPr lang="en-GB" sz="2800" kern="1200" dirty="0">
-                          <a:solidFill>
-                            <a:schemeClr val="tx1"/>
-                          </a:solidFill>
-                          <a:latin typeface="+mn-lt"/>
-                          <a:ea typeface="+mn-ea"/>
-                          <a:cs typeface="+mn-cs"/>
-                        </a:rPr>
-                        <a:t>''</a:t>
-                      </a:r>
-                    </a:p>
-                  </a:txBody>
-                  <a:tcPr marL="9525" marR="9525" marT="9525" marB="0" anchor="b"/>
-                </a:tc>
-                <a:extLst>
-                  <a:ext uri="{0D108BD9-81ED-4DB2-BD59-A6C34878D82A}">
-                    <a16:rowId xmlns:a16="http://schemas.microsoft.com/office/drawing/2014/main" val="10005"/>
-                  </a:ext>
-                </a:extLst>
-              </a:tr>
-              <a:tr h="439536">
-                <a:tc>
-                  <a:txBody>
-                    <a:bodyPr/>
-                    <a:lstStyle/>
-                    <a:p>
-                      <a:pPr algn="l" fontAlgn="b"/>
-                      <a:r>
-                        <a:rPr lang="en-GB" sz="2800" kern="1200" dirty="0">
-                          <a:solidFill>
-                            <a:schemeClr val="tx1"/>
-                          </a:solidFill>
-                          <a:latin typeface="+mn-lt"/>
-                          <a:ea typeface="+mn-ea"/>
-                          <a:cs typeface="+mn-cs"/>
-                        </a:rPr>
-                        <a:t>empty list</a:t>
-                      </a:r>
-                    </a:p>
-                  </a:txBody>
-                  <a:tcPr marL="9525" marR="9525" marT="9525" marB="0" anchor="b"/>
-                </a:tc>
-                <a:tc>
-                  <a:txBody>
-                    <a:bodyPr/>
-                    <a:lstStyle/>
-                    <a:p>
-                      <a:pPr algn="ctr" fontAlgn="b"/>
-                      <a:r>
-                        <a:rPr lang="en-GB" sz="2800" kern="1200" dirty="0">
-                          <a:solidFill>
-                            <a:schemeClr val="tx1"/>
-                          </a:solidFill>
-                          <a:latin typeface="+mn-lt"/>
-                          <a:ea typeface="+mn-ea"/>
-                          <a:cs typeface="+mn-cs"/>
-                        </a:rPr>
-                        <a:t>[]</a:t>
-                      </a:r>
-                    </a:p>
-                  </a:txBody>
-                  <a:tcPr marL="9525" marR="9525" marT="9525" marB="0" anchor="b"/>
-                </a:tc>
-                <a:extLst>
-                  <a:ext uri="{0D108BD9-81ED-4DB2-BD59-A6C34878D82A}">
-                    <a16:rowId xmlns:a16="http://schemas.microsoft.com/office/drawing/2014/main" val="10006"/>
-                  </a:ext>
-                </a:extLst>
-              </a:tr>
-              <a:tr h="439536">
-                <a:tc>
-                  <a:txBody>
-                    <a:bodyPr/>
-                    <a:lstStyle/>
-                    <a:p>
-                      <a:pPr algn="l" fontAlgn="b"/>
-                      <a:r>
-                        <a:rPr lang="en-GB" sz="2800" kern="1200" dirty="0">
-                          <a:solidFill>
-                            <a:schemeClr val="tx1"/>
-                          </a:solidFill>
-                          <a:latin typeface="+mn-lt"/>
-                          <a:ea typeface="+mn-ea"/>
-                          <a:cs typeface="+mn-cs"/>
-                        </a:rPr>
-                        <a:t>empty tuple</a:t>
-                      </a:r>
-                    </a:p>
-                  </a:txBody>
-                  <a:tcPr marL="9525" marR="9525" marT="9525" marB="0" anchor="b"/>
-                </a:tc>
-                <a:tc>
-                  <a:txBody>
-                    <a:bodyPr/>
-                    <a:lstStyle/>
-                    <a:p>
-                      <a:pPr algn="ctr" fontAlgn="b"/>
-                      <a:r>
-                        <a:rPr lang="en-GB" sz="2800" kern="1200" dirty="0">
-                          <a:solidFill>
-                            <a:schemeClr val="tx1"/>
-                          </a:solidFill>
-                          <a:latin typeface="+mn-lt"/>
-                          <a:ea typeface="+mn-ea"/>
-                          <a:cs typeface="+mn-cs"/>
-                        </a:rPr>
-                        <a:t>()</a:t>
-                      </a:r>
-                    </a:p>
-                  </a:txBody>
-                  <a:tcPr marL="9525" marR="9525" marT="9525" marB="0" anchor="b"/>
-                </a:tc>
-                <a:extLst>
-                  <a:ext uri="{0D108BD9-81ED-4DB2-BD59-A6C34878D82A}">
-                    <a16:rowId xmlns:a16="http://schemas.microsoft.com/office/drawing/2014/main" val="10007"/>
-                  </a:ext>
-                </a:extLst>
-              </a:tr>
-              <a:tr h="439536">
-                <a:tc>
-                  <a:txBody>
-                    <a:bodyPr/>
-                    <a:lstStyle/>
-                    <a:p>
-                      <a:pPr algn="l" fontAlgn="b"/>
-                      <a:r>
-                        <a:rPr lang="en-GB" sz="2800" kern="1200" dirty="0">
-                          <a:solidFill>
-                            <a:schemeClr val="tx1"/>
-                          </a:solidFill>
-                          <a:latin typeface="+mn-lt"/>
-                          <a:ea typeface="+mn-ea"/>
-                          <a:cs typeface="+mn-cs"/>
-                        </a:rPr>
-                        <a:t>empty </a:t>
-                      </a:r>
-                      <a:r>
-                        <a:rPr lang="en-GB" sz="2800" kern="1200" dirty="0" err="1">
-                          <a:solidFill>
-                            <a:schemeClr val="tx1"/>
-                          </a:solidFill>
-                          <a:latin typeface="+mn-lt"/>
-                          <a:ea typeface="+mn-ea"/>
-                          <a:cs typeface="+mn-cs"/>
-                        </a:rPr>
-                        <a:t>dict</a:t>
-                      </a:r>
                       <a:endParaRPr lang="en-GB" sz="2800" kern="1200" dirty="0">
                         <a:solidFill>
                           <a:schemeClr val="tx1"/>
@@ -5375,17 +5206,143 @@
                     <a:lstStyle/>
                     <a:p>
                       <a:pPr algn="ctr" fontAlgn="b"/>
-                      <a:r>
-                        <a:rPr lang="en-GB" sz="2800" kern="1200" dirty="0">
-                          <a:solidFill>
-                            <a:schemeClr val="tx1"/>
-                          </a:solidFill>
-                          <a:latin typeface="+mn-lt"/>
-                          <a:ea typeface="+mn-ea"/>
-                          <a:cs typeface="+mn-cs"/>
-                        </a:rPr>
-                        <a:t>{}</a:t>
-                      </a:r>
+                      <a:endParaRPr lang="en-GB" sz="2800" kern="1200" dirty="0">
+                        <a:solidFill>
+                          <a:schemeClr val="tx1"/>
+                        </a:solidFill>
+                        <a:latin typeface="+mn-lt"/>
+                        <a:ea typeface="+mn-ea"/>
+                        <a:cs typeface="+mn-cs"/>
+                      </a:endParaRPr>
+                    </a:p>
+                  </a:txBody>
+                  <a:tcPr marL="9525" marR="9525" marT="9525" marB="0" anchor="b"/>
+                </a:tc>
+                <a:extLst>
+                  <a:ext uri="{0D108BD9-81ED-4DB2-BD59-A6C34878D82A}">
+                    <a16:rowId xmlns:a16="http://schemas.microsoft.com/office/drawing/2014/main" val="10005"/>
+                  </a:ext>
+                </a:extLst>
+              </a:tr>
+              <a:tr h="439536">
+                <a:tc>
+                  <a:txBody>
+                    <a:bodyPr/>
+                    <a:lstStyle/>
+                    <a:p>
+                      <a:pPr algn="l" fontAlgn="b"/>
+                      <a:endParaRPr lang="en-GB" sz="2800" kern="1200" dirty="0">
+                        <a:solidFill>
+                          <a:schemeClr val="tx1"/>
+                        </a:solidFill>
+                        <a:latin typeface="+mn-lt"/>
+                        <a:ea typeface="+mn-ea"/>
+                        <a:cs typeface="+mn-cs"/>
+                      </a:endParaRPr>
+                    </a:p>
+                  </a:txBody>
+                  <a:tcPr marL="9525" marR="9525" marT="9525" marB="0" anchor="b"/>
+                </a:tc>
+                <a:tc>
+                  <a:txBody>
+                    <a:bodyPr/>
+                    <a:lstStyle/>
+                    <a:p>
+                      <a:pPr algn="ctr" fontAlgn="b"/>
+                      <a:endParaRPr lang="en-GB" sz="2800" kern="1200" dirty="0">
+                        <a:solidFill>
+                          <a:schemeClr val="tx1"/>
+                        </a:solidFill>
+                        <a:latin typeface="+mn-lt"/>
+                        <a:ea typeface="+mn-ea"/>
+                        <a:cs typeface="+mn-cs"/>
+                      </a:endParaRPr>
+                    </a:p>
+                  </a:txBody>
+                  <a:tcPr marL="9525" marR="9525" marT="9525" marB="0" anchor="b"/>
+                </a:tc>
+                <a:extLst>
+                  <a:ext uri="{0D108BD9-81ED-4DB2-BD59-A6C34878D82A}">
+                    <a16:rowId xmlns:a16="http://schemas.microsoft.com/office/drawing/2014/main" val="10006"/>
+                  </a:ext>
+                </a:extLst>
+              </a:tr>
+              <a:tr h="439536">
+                <a:tc>
+                  <a:txBody>
+                    <a:bodyPr/>
+                    <a:lstStyle/>
+                    <a:p>
+                      <a:pPr algn="l" fontAlgn="b"/>
+                      <a:endParaRPr lang="en-GB" sz="2800" kern="1200" dirty="0">
+                        <a:solidFill>
+                          <a:schemeClr val="tx1"/>
+                        </a:solidFill>
+                        <a:latin typeface="+mn-lt"/>
+                        <a:ea typeface="+mn-ea"/>
+                        <a:cs typeface="+mn-cs"/>
+                      </a:endParaRPr>
+                    </a:p>
+                  </a:txBody>
+                  <a:tcPr marL="9525" marR="9525" marT="9525" marB="0" anchor="b"/>
+                </a:tc>
+                <a:tc>
+                  <a:txBody>
+                    <a:bodyPr/>
+                    <a:lstStyle/>
+                    <a:p>
+                      <a:pPr algn="ctr" fontAlgn="b"/>
+                      <a:endParaRPr lang="en-GB" sz="2800" kern="1200" dirty="0">
+                        <a:solidFill>
+                          <a:schemeClr val="tx1"/>
+                        </a:solidFill>
+                        <a:latin typeface="+mn-lt"/>
+                        <a:ea typeface="+mn-ea"/>
+                        <a:cs typeface="+mn-cs"/>
+                      </a:endParaRPr>
+                    </a:p>
+                  </a:txBody>
+                  <a:tcPr marL="9525" marR="9525" marT="9525" marB="0" anchor="b"/>
+                </a:tc>
+                <a:extLst>
+                  <a:ext uri="{0D108BD9-81ED-4DB2-BD59-A6C34878D82A}">
+                    <a16:rowId xmlns:a16="http://schemas.microsoft.com/office/drawing/2014/main" val="10007"/>
+                  </a:ext>
+                </a:extLst>
+              </a:tr>
+              <a:tr h="439536">
+                <a:tc>
+                  <a:txBody>
+                    <a:bodyPr/>
+                    <a:lstStyle/>
+                    <a:p>
+                      <a:pPr algn="l" fontAlgn="b"/>
+                      <a:endParaRPr lang="en-GB" sz="2800" kern="1200" dirty="0">
+                        <a:solidFill>
+                          <a:schemeClr val="tx1"/>
+                        </a:solidFill>
+                        <a:latin typeface="+mn-lt"/>
+                        <a:ea typeface="+mn-ea"/>
+                        <a:cs typeface="+mn-cs"/>
+                      </a:endParaRPr>
+                    </a:p>
+                  </a:txBody>
+                  <a:tcPr marL="9525" marR="9525" marT="9525" marB="0" anchor="b"/>
+                </a:tc>
+                <a:tc>
+                  <a:txBody>
+                    <a:bodyPr/>
+                    <a:lstStyle/>
+                    <a:p>
+                      <a:pPr algn="ctr" fontAlgn="b"/>
+                      <a:endParaRPr lang="en-GB" sz="2800" kern="1200" dirty="0">
+                        <a:solidFill>
+                          <a:schemeClr val="tx1"/>
+                        </a:solidFill>
+                        <a:latin typeface="+mn-lt"/>
+                        <a:ea typeface="+mn-ea"/>
+                        <a:cs typeface="+mn-cs"/>
+                      </a:endParaRPr>
                     </a:p>
                   </a:txBody>
                   <a:tcPr marL="9525" marR="9525" marT="9525" marB="0" anchor="b"/>
@@ -5403,17 +5360,14 @@
                     <a:lstStyle/>
                     <a:p>
                       <a:pPr algn="l" fontAlgn="b"/>
-                      <a:r>
-                        <a:rPr lang="en-GB" sz="2800" kern="1200">
-                          <a:solidFill>
-                            <a:schemeClr val="tx1"/>
-                          </a:solidFill>
-                          <a:latin typeface="+mn-lt"/>
-                          <a:ea typeface="+mn-ea"/>
-                          <a:cs typeface="+mn-cs"/>
-                        </a:rPr>
-                        <a:t>empty set</a:t>
-                      </a:r>
+                      <a:endParaRPr lang="en-GB" sz="2800" kern="1200" dirty="0">
+                        <a:solidFill>
+                          <a:schemeClr val="tx1"/>
+                        </a:solidFill>
+                        <a:latin typeface="+mn-lt"/>
+                        <a:ea typeface="+mn-ea"/>
+                        <a:cs typeface="+mn-cs"/>
+                      </a:endParaRPr>
                     </a:p>
                   </a:txBody>
                   <a:tcPr marL="9525" marR="9525" marT="9525" marB="0" anchor="b"/>
@@ -5424,17 +5378,14 @@
                     <a:lstStyle/>
                     <a:p>
                       <a:pPr algn="ctr" fontAlgn="b"/>
-                      <a:r>
-                        <a:rPr lang="en-GB" sz="2800" kern="1200" dirty="0">
-                          <a:solidFill>
-                            <a:schemeClr val="tx1"/>
-                          </a:solidFill>
-                          <a:latin typeface="+mn-lt"/>
-                          <a:ea typeface="+mn-ea"/>
-                          <a:cs typeface="+mn-cs"/>
-                        </a:rPr>
-                        <a:t>set()</a:t>
-                      </a:r>
+                      <a:endParaRPr lang="en-GB" sz="2800" kern="1200" dirty="0">
+                        <a:solidFill>
+                          <a:schemeClr val="tx1"/>
+                        </a:solidFill>
+                        <a:latin typeface="+mn-lt"/>
+                        <a:ea typeface="+mn-ea"/>
+                        <a:cs typeface="+mn-cs"/>
+                      </a:endParaRPr>
                     </a:p>
                   </a:txBody>
                   <a:tcPr marL="9525" marR="9525" marT="9525" marB="0" anchor="b"/>
